--- a/CookieRun/PPT/쿠키런 2차 프로젝트 발표자료.pptx
+++ b/CookieRun/PPT/쿠키런 2차 프로젝트 발표자료.pptx
@@ -5,7 +5,7 @@
     <p:sldMasterId id="2147483648" r:id="rId1"/>
   </p:sldMasterIdLst>
   <p:notesMasterIdLst>
-    <p:notesMasterId r:id="rId9"/>
+    <p:notesMasterId r:id="rId10"/>
   </p:notesMasterIdLst>
   <p:sldIdLst>
     <p:sldId id="256" r:id="rId2"/>
@@ -13,8 +13,9 @@
     <p:sldId id="257" r:id="rId4"/>
     <p:sldId id="261" r:id="rId5"/>
     <p:sldId id="262" r:id="rId6"/>
-    <p:sldId id="263" r:id="rId7"/>
-    <p:sldId id="265" r:id="rId8"/>
+    <p:sldId id="266" r:id="rId7"/>
+    <p:sldId id="263" r:id="rId8"/>
+    <p:sldId id="265" r:id="rId9"/>
   </p:sldIdLst>
   <p:sldSz cx="9144000" cy="6858000" type="screen4x3"/>
   <p:notesSz cx="6858000" cy="9144000"/>
@@ -198,7 +199,7 @@
           <a:p>
             <a:fld id="{AD5DEA98-FF89-4BB2-AF6C-5DE0D2A9BE74}" type="datetimeFigureOut">
               <a:rPr lang="ko-KR" altLang="en-US" smtClean="0"/>
-              <a:t>2016-10-16</a:t>
+              <a:t>2016-10-18</a:t>
             </a:fld>
             <a:endParaRPr lang="ko-KR" altLang="en-US"/>
           </a:p>
@@ -731,7 +732,7 @@
           <a:p>
             <a:fld id="{0401924C-3870-4B84-8ED7-2D86C01DFC44}" type="datetimeFigureOut">
               <a:rPr lang="ko-KR" altLang="en-US" smtClean="0"/>
-              <a:t>2016-10-16</a:t>
+              <a:t>2016-10-18</a:t>
             </a:fld>
             <a:endParaRPr lang="ko-KR" altLang="en-US"/>
           </a:p>
@@ -901,7 +902,7 @@
           <a:p>
             <a:fld id="{0401924C-3870-4B84-8ED7-2D86C01DFC44}" type="datetimeFigureOut">
               <a:rPr lang="ko-KR" altLang="en-US" smtClean="0"/>
-              <a:t>2016-10-16</a:t>
+              <a:t>2016-10-18</a:t>
             </a:fld>
             <a:endParaRPr lang="ko-KR" altLang="en-US"/>
           </a:p>
@@ -1081,7 +1082,7 @@
           <a:p>
             <a:fld id="{0401924C-3870-4B84-8ED7-2D86C01DFC44}" type="datetimeFigureOut">
               <a:rPr lang="ko-KR" altLang="en-US" smtClean="0"/>
-              <a:t>2016-10-16</a:t>
+              <a:t>2016-10-18</a:t>
             </a:fld>
             <a:endParaRPr lang="ko-KR" altLang="en-US"/>
           </a:p>
@@ -1251,7 +1252,7 @@
           <a:p>
             <a:fld id="{0401924C-3870-4B84-8ED7-2D86C01DFC44}" type="datetimeFigureOut">
               <a:rPr lang="ko-KR" altLang="en-US" smtClean="0"/>
-              <a:t>2016-10-16</a:t>
+              <a:t>2016-10-18</a:t>
             </a:fld>
             <a:endParaRPr lang="ko-KR" altLang="en-US"/>
           </a:p>
@@ -1497,7 +1498,7 @@
           <a:p>
             <a:fld id="{0401924C-3870-4B84-8ED7-2D86C01DFC44}" type="datetimeFigureOut">
               <a:rPr lang="ko-KR" altLang="en-US" smtClean="0"/>
-              <a:t>2016-10-16</a:t>
+              <a:t>2016-10-18</a:t>
             </a:fld>
             <a:endParaRPr lang="ko-KR" altLang="en-US"/>
           </a:p>
@@ -1785,7 +1786,7 @@
           <a:p>
             <a:fld id="{0401924C-3870-4B84-8ED7-2D86C01DFC44}" type="datetimeFigureOut">
               <a:rPr lang="ko-KR" altLang="en-US" smtClean="0"/>
-              <a:t>2016-10-16</a:t>
+              <a:t>2016-10-18</a:t>
             </a:fld>
             <a:endParaRPr lang="ko-KR" altLang="en-US"/>
           </a:p>
@@ -2207,7 +2208,7 @@
           <a:p>
             <a:fld id="{0401924C-3870-4B84-8ED7-2D86C01DFC44}" type="datetimeFigureOut">
               <a:rPr lang="ko-KR" altLang="en-US" smtClean="0"/>
-              <a:t>2016-10-16</a:t>
+              <a:t>2016-10-18</a:t>
             </a:fld>
             <a:endParaRPr lang="ko-KR" altLang="en-US"/>
           </a:p>
@@ -2325,7 +2326,7 @@
           <a:p>
             <a:fld id="{0401924C-3870-4B84-8ED7-2D86C01DFC44}" type="datetimeFigureOut">
               <a:rPr lang="ko-KR" altLang="en-US" smtClean="0"/>
-              <a:t>2016-10-16</a:t>
+              <a:t>2016-10-18</a:t>
             </a:fld>
             <a:endParaRPr lang="ko-KR" altLang="en-US"/>
           </a:p>
@@ -2420,7 +2421,7 @@
           <a:p>
             <a:fld id="{0401924C-3870-4B84-8ED7-2D86C01DFC44}" type="datetimeFigureOut">
               <a:rPr lang="ko-KR" altLang="en-US" smtClean="0"/>
-              <a:t>2016-10-16</a:t>
+              <a:t>2016-10-18</a:t>
             </a:fld>
             <a:endParaRPr lang="ko-KR" altLang="en-US"/>
           </a:p>
@@ -2697,7 +2698,7 @@
           <a:p>
             <a:fld id="{0401924C-3870-4B84-8ED7-2D86C01DFC44}" type="datetimeFigureOut">
               <a:rPr lang="ko-KR" altLang="en-US" smtClean="0"/>
-              <a:t>2016-10-16</a:t>
+              <a:t>2016-10-18</a:t>
             </a:fld>
             <a:endParaRPr lang="ko-KR" altLang="en-US"/>
           </a:p>
@@ -2950,7 +2951,7 @@
           <a:p>
             <a:fld id="{0401924C-3870-4B84-8ED7-2D86C01DFC44}" type="datetimeFigureOut">
               <a:rPr lang="ko-KR" altLang="en-US" smtClean="0"/>
-              <a:t>2016-10-16</a:t>
+              <a:t>2016-10-18</a:t>
             </a:fld>
             <a:endParaRPr lang="ko-KR" altLang="en-US"/>
           </a:p>
@@ -3163,7 +3164,7 @@
           <a:p>
             <a:fld id="{0401924C-3870-4B84-8ED7-2D86C01DFC44}" type="datetimeFigureOut">
               <a:rPr lang="ko-KR" altLang="en-US" smtClean="0"/>
-              <a:t>2016-10-16</a:t>
+              <a:t>2016-10-18</a:t>
             </a:fld>
             <a:endParaRPr lang="ko-KR" altLang="en-US"/>
           </a:p>
@@ -3528,7 +3529,7 @@
       <p:bgPr>
         <a:blipFill dpi="0" rotWithShape="1">
           <a:blip r:embed="rId2">
-            <a:alphaModFix amt="80000"/>
+            <a:alphaModFix amt="90000"/>
             <a:lum/>
           </a:blip>
           <a:srcRect/>
@@ -3945,14 +3946,7 @@
                 <a:latin typeface="HY엽서M" pitchFamily="18" charset="-127"/>
                 <a:ea typeface="HY엽서M" pitchFamily="18" charset="-127"/>
               </a:rPr>
-              <a:t>개발 </a:t>
-            </a:r>
-            <a:r>
-              <a:rPr lang="ko-KR" altLang="en-US" sz="4000" dirty="0" smtClean="0">
-                <a:latin typeface="HY엽서M" pitchFamily="18" charset="-127"/>
-                <a:ea typeface="HY엽서M" pitchFamily="18" charset="-127"/>
-              </a:rPr>
-              <a:t>범위</a:t>
+              <a:t>개발 범위</a:t>
             </a:r>
             <a:endParaRPr lang="en-US" altLang="ko-KR" sz="4000" dirty="0">
               <a:latin typeface="HY엽서M" pitchFamily="18" charset="-127"/>
@@ -4331,14 +4325,7 @@
                 <a:latin typeface="HY엽서M" pitchFamily="18" charset="-127"/>
                 <a:ea typeface="HY엽서M" pitchFamily="18" charset="-127"/>
               </a:rPr>
-              <a:t>오래 오래 </a:t>
-            </a:r>
-            <a:r>
-              <a:rPr lang="ko-KR" altLang="en-US" sz="3600" dirty="0" smtClean="0">
-                <a:latin typeface="HY엽서M" pitchFamily="18" charset="-127"/>
-                <a:ea typeface="HY엽서M" pitchFamily="18" charset="-127"/>
-              </a:rPr>
-              <a:t>달려서</a:t>
+              <a:t>오래 오래 달려서</a:t>
             </a:r>
             <a:endParaRPr lang="en-US" altLang="ko-KR" sz="3600" dirty="0" smtClean="0">
               <a:latin typeface="HY엽서M" pitchFamily="18" charset="-127"/>
@@ -4360,10 +4347,6 @@
               </a:rPr>
               <a:t>~!</a:t>
             </a:r>
-            <a:endParaRPr lang="en-US" altLang="ko-KR" sz="3600" dirty="0" smtClean="0">
-              <a:latin typeface="HY엽서M" pitchFamily="18" charset="-127"/>
-              <a:ea typeface="HY엽서M" pitchFamily="18" charset="-127"/>
-            </a:endParaRPr>
           </a:p>
         </p:txBody>
       </p:sp>
@@ -5101,11 +5084,7 @@
                       </a:r>
                       <a:r>
                         <a:rPr lang="ko-KR" altLang="en-US" sz="1400" baseline="0" dirty="0" smtClean="0"/>
-                        <a:t>장애물 충돌이나 시간에 따른 생명력 감소 </a:t>
-                      </a:r>
-                      <a:r>
-                        <a:rPr lang="ko-KR" altLang="en-US" sz="1400" baseline="0" dirty="0" smtClean="0"/>
-                        <a:t>증가</a:t>
+                        <a:t>장애물 충돌이나 시간에 따른 생명력 감소 증가</a:t>
                       </a:r>
                       <a:endParaRPr lang="en-US" altLang="ko-KR" sz="1400" dirty="0" smtClean="0"/>
                     </a:p>
@@ -5137,11 +5116,7 @@
                       <a:pPr latinLnBrk="1"/>
                       <a:r>
                         <a:rPr lang="ko-KR" altLang="en-US" sz="1400" dirty="0" smtClean="0"/>
-                        <a:t>아이템을 먹으면 점수 </a:t>
-                      </a:r>
-                      <a:r>
-                        <a:rPr lang="ko-KR" altLang="en-US" sz="1400" dirty="0" smtClean="0"/>
-                        <a:t>증가</a:t>
+                        <a:t>아이템을 먹으면 점수 증가</a:t>
                       </a:r>
                       <a:endParaRPr lang="en-US" altLang="ko-KR" sz="1400" dirty="0" smtClean="0"/>
                     </a:p>
@@ -5197,11 +5172,7 @@
                       </a:r>
                       <a:r>
                         <a:rPr lang="ko-KR" altLang="en-US" sz="1400" dirty="0" smtClean="0"/>
-                        <a:t> </a:t>
-                      </a:r>
-                      <a:r>
-                        <a:rPr lang="ko-KR" altLang="en-US" sz="1400" dirty="0" smtClean="0"/>
-                        <a:t>점수 기록</a:t>
+                        <a:t> 점수 기록</a:t>
                       </a:r>
                       <a:endParaRPr lang="en-US" altLang="ko-KR" sz="1400" dirty="0" smtClean="0"/>
                     </a:p>
@@ -5414,11 +5385,7 @@
                       </a:r>
                       <a:r>
                         <a:rPr lang="ko-KR" altLang="en-US" sz="1400" baseline="0" dirty="0" smtClean="0"/>
-                        <a:t>의 </a:t>
-                      </a:r>
-                      <a:r>
-                        <a:rPr lang="ko-KR" altLang="en-US" sz="1400" baseline="0" dirty="0" smtClean="0"/>
-                        <a:t>움직임</a:t>
+                        <a:t>의 움직임</a:t>
                       </a:r>
                       <a:endParaRPr lang="ko-KR" altLang="en-US" sz="1400" dirty="0"/>
                     </a:p>
@@ -6125,11 +6092,7 @@
                       <a:pPr algn="ctr" latinLnBrk="1"/>
                       <a:r>
                         <a:rPr lang="ko-KR" altLang="en-US" sz="1600" dirty="0" smtClean="0"/>
-                        <a:t>캐릭터 </a:t>
-                      </a:r>
-                      <a:r>
-                        <a:rPr lang="ko-KR" altLang="en-US" sz="1600" dirty="0" smtClean="0"/>
-                        <a:t>구현</a:t>
+                        <a:t>캐릭터 구현</a:t>
                       </a:r>
                       <a:endParaRPr lang="ko-KR" altLang="en-US" sz="1600" dirty="0"/>
                     </a:p>
@@ -6926,11 +6889,7 @@
                       <a:pPr algn="ctr" latinLnBrk="1"/>
                       <a:r>
                         <a:rPr lang="ko-KR" altLang="en-US" sz="1600" dirty="0" smtClean="0"/>
-                        <a:t>추가 기능 </a:t>
-                      </a:r>
-                      <a:r>
-                        <a:rPr lang="ko-KR" altLang="en-US" sz="1600" dirty="0" smtClean="0"/>
-                        <a:t>구현</a:t>
+                        <a:t>추가 기능 구현</a:t>
                       </a:r>
                       <a:endParaRPr lang="ko-KR" altLang="en-US" sz="1600" dirty="0"/>
                     </a:p>
@@ -7283,6 +7242,106 @@
         </p:nvSpPr>
         <p:spPr/>
         <p:txBody>
+          <a:bodyPr>
+            <a:normAutofit fontScale="90000"/>
+          </a:bodyPr>
+          <a:lstStyle/>
+          <a:p>
+            <a:r>
+              <a:rPr lang="en-US" altLang="ko-KR" dirty="0" err="1">
+                <a:latin typeface="HY엽서M" pitchFamily="18" charset="-127"/>
+                <a:ea typeface="HY엽서M" pitchFamily="18" charset="-127"/>
+              </a:rPr>
+              <a:t>Github</a:t>
+            </a:r>
+            <a:r>
+              <a:rPr lang="en-US" altLang="ko-KR" dirty="0">
+                <a:latin typeface="HY엽서M" pitchFamily="18" charset="-127"/>
+                <a:ea typeface="HY엽서M" pitchFamily="18" charset="-127"/>
+              </a:rPr>
+              <a:t> commits</a:t>
+            </a:r>
+            <a:br>
+              <a:rPr lang="en-US" altLang="ko-KR" dirty="0">
+                <a:latin typeface="HY엽서M" pitchFamily="18" charset="-127"/>
+                <a:ea typeface="HY엽서M" pitchFamily="18" charset="-127"/>
+              </a:rPr>
+            </a:br>
+            <a:endParaRPr lang="ko-KR" altLang="en-US" dirty="0"/>
+          </a:p>
+        </p:txBody>
+      </p:sp>
+      <p:pic>
+        <p:nvPicPr>
+          <p:cNvPr id="4" name="내용 개체 틀 3"/>
+          <p:cNvPicPr>
+            <a:picLocks noGrp="1" noChangeAspect="1"/>
+          </p:cNvPicPr>
+          <p:nvPr>
+            <p:ph idx="1"/>
+          </p:nvPr>
+        </p:nvPicPr>
+        <p:blipFill>
+          <a:blip r:embed="rId2">
+            <a:extLst>
+              <a:ext uri="{28A0092B-C50C-407E-A947-70E740481C1C}">
+                <a14:useLocalDpi xmlns:a14="http://schemas.microsoft.com/office/drawing/2010/main" val="0"/>
+              </a:ext>
+            </a:extLst>
+          </a:blip>
+          <a:stretch>
+            <a:fillRect/>
+          </a:stretch>
+        </p:blipFill>
+        <p:spPr>
+          <a:xfrm>
+            <a:off x="0" y="908720"/>
+            <a:ext cx="9144000" cy="5616624"/>
+          </a:xfrm>
+        </p:spPr>
+      </p:pic>
+    </p:spTree>
+    <p:extLst>
+      <p:ext uri="{BB962C8B-B14F-4D97-AF65-F5344CB8AC3E}">
+        <p14:creationId xmlns:p14="http://schemas.microsoft.com/office/powerpoint/2010/main" val="1439376219"/>
+      </p:ext>
+    </p:extLst>
+  </p:cSld>
+  <p:clrMapOvr>
+    <a:masterClrMapping/>
+  </p:clrMapOvr>
+</p:sld>
+</file>
+
+<file path=ppt/slides/slide7.xml><?xml version="1.0" encoding="utf-8"?>
+<p:sld xmlns:a="http://schemas.openxmlformats.org/drawingml/2006/main" xmlns:r="http://schemas.openxmlformats.org/officeDocument/2006/relationships" xmlns:p="http://schemas.openxmlformats.org/presentationml/2006/main">
+  <p:cSld>
+    <p:spTree>
+      <p:nvGrpSpPr>
+        <p:cNvPr id="1" name=""/>
+        <p:cNvGrpSpPr/>
+        <p:nvPr/>
+      </p:nvGrpSpPr>
+      <p:grpSpPr>
+        <a:xfrm>
+          <a:off x="0" y="0"/>
+          <a:ext cx="0" cy="0"/>
+          <a:chOff x="0" y="0"/>
+          <a:chExt cx="0" cy="0"/>
+        </a:xfrm>
+      </p:grpSpPr>
+      <p:sp>
+        <p:nvSpPr>
+          <p:cNvPr id="2" name="제목 1"/>
+          <p:cNvSpPr>
+            <a:spLocks noGrp="1"/>
+          </p:cNvSpPr>
+          <p:nvPr>
+            <p:ph type="title"/>
+          </p:nvPr>
+        </p:nvSpPr>
+        <p:spPr/>
+        <p:txBody>
           <a:bodyPr/>
           <a:lstStyle/>
           <a:p>
@@ -7310,7 +7369,7 @@
             <p:ph idx="1"/>
             <p:extLst>
               <p:ext uri="{D42A27DB-BD31-4B8C-83A1-F6EECF244321}">
-                <p14:modId xmlns:p14="http://schemas.microsoft.com/office/powerpoint/2010/main" val="246450658"/>
+                <p14:modId xmlns:p14="http://schemas.microsoft.com/office/powerpoint/2010/main" val="2803041606"/>
               </p:ext>
             </p:extLst>
           </p:nvPr>
@@ -7754,7 +7813,7 @@
                       <a:pPr algn="ctr" latinLnBrk="1"/>
                       <a:r>
                         <a:rPr lang="en-US" altLang="ko-KR" dirty="0" smtClean="0"/>
-                        <a:t>C</a:t>
+                        <a:t>D</a:t>
                       </a:r>
                       <a:endParaRPr lang="ko-KR" altLang="en-US" dirty="0"/>
                     </a:p>
@@ -7959,7 +8018,7 @@
 </p:sld>
 </file>
 
-<file path=ppt/slides/slide7.xml><?xml version="1.0" encoding="utf-8"?>
+<file path=ppt/slides/slide8.xml><?xml version="1.0" encoding="utf-8"?>
 <p:sld xmlns:a="http://schemas.openxmlformats.org/drawingml/2006/main" xmlns:r="http://schemas.openxmlformats.org/officeDocument/2006/relationships" xmlns:p="http://schemas.openxmlformats.org/presentationml/2006/main">
   <p:cSld>
     <p:spTree>
